--- a/society/IN/2020-05-22/五回目/graph.pptx
+++ b/society/IN/2020-05-22/五回目/graph.pptx
@@ -1720,6 +1720,7 @@
   <c:externalData r:id="rId3">
     <c:autoUpdate val="0"/>
   </c:externalData>
+  <c:userShapes r:id="rId4"/>
 </c:chartSpace>
 </file>
 
@@ -2279,6 +2280,424 @@
 </cs:chartStyle>
 </file>
 
+<file path=ppt/drawings/drawing1.xml><?xml version="1.0" encoding="utf-8"?>
+<c:userShapes xmlns:c="http://schemas.openxmlformats.org/drawingml/2006/chart">
+  <cdr:relSizeAnchor xmlns:cdr="http://schemas.openxmlformats.org/drawingml/2006/chartDrawing">
+    <cdr:from>
+      <cdr:x>0.88774</cdr:x>
+      <cdr:y>0.01317</cdr:y>
+    </cdr:from>
+    <cdr:to>
+      <cdr:x>0.9203</cdr:x>
+      <cdr:y>0.05936</cdr:y>
+    </cdr:to>
+    <cdr:sp macro="" textlink="">
+      <cdr:nvSpPr>
+        <cdr:cNvPr id="2" name="テキスト ボックス 5">
+          <a:extLst xmlns:a="http://schemas.openxmlformats.org/drawingml/2006/main">
+            <a:ext uri="{FF2B5EF4-FFF2-40B4-BE49-F238E27FC236}">
+              <a16:creationId xmlns:a16="http://schemas.microsoft.com/office/drawing/2014/main" id="{0ED32F29-3948-4A7D-85C9-F87F6FD06020}"/>
+            </a:ext>
+          </a:extLst>
+        </cdr:cNvPr>
+        <cdr:cNvSpPr txBox="1"/>
+      </cdr:nvSpPr>
+      <cdr:spPr>
+        <a:xfrm xmlns:a="http://schemas.openxmlformats.org/drawingml/2006/main">
+          <a:off x="10823350" y="90333"/>
+          <a:ext cx="396996" cy="316768"/>
+        </a:xfrm>
+        <a:prstGeom xmlns:a="http://schemas.openxmlformats.org/drawingml/2006/main" prst="rect">
+          <a:avLst/>
+        </a:prstGeom>
+        <a:solidFill xmlns:a="http://schemas.openxmlformats.org/drawingml/2006/main">
+          <a:schemeClr val="bg1"/>
+        </a:solidFill>
+      </cdr:spPr>
+      <cdr:txBody>
+        <a:bodyPr xmlns:a="http://schemas.openxmlformats.org/drawingml/2006/main" wrap="square" rtlCol="0">
+          <a:spAutoFit/>
+        </a:bodyPr>
+        <a:lstStyle xmlns:a="http://schemas.openxmlformats.org/drawingml/2006/main">
+          <a:defPPr>
+            <a:defRPr lang="ja-JP"/>
+          </a:defPPr>
+          <a:lvl1pPr marL="0" algn="l" defTabSz="914400" rtl="0" eaLnBrk="1" latinLnBrk="0" hangingPunct="1">
+            <a:defRPr kumimoji="1" sz="1800" kern="1200">
+              <a:solidFill>
+                <a:schemeClr val="tx1"/>
+              </a:solidFill>
+              <a:latin typeface="+mn-lt"/>
+              <a:ea typeface="+mn-ea"/>
+              <a:cs typeface="+mn-cs"/>
+            </a:defRPr>
+          </a:lvl1pPr>
+          <a:lvl2pPr marL="457200" algn="l" defTabSz="914400" rtl="0" eaLnBrk="1" latinLnBrk="0" hangingPunct="1">
+            <a:defRPr kumimoji="1" sz="1800" kern="1200">
+              <a:solidFill>
+                <a:schemeClr val="tx1"/>
+              </a:solidFill>
+              <a:latin typeface="+mn-lt"/>
+              <a:ea typeface="+mn-ea"/>
+              <a:cs typeface="+mn-cs"/>
+            </a:defRPr>
+          </a:lvl2pPr>
+          <a:lvl3pPr marL="914400" algn="l" defTabSz="914400" rtl="0" eaLnBrk="1" latinLnBrk="0" hangingPunct="1">
+            <a:defRPr kumimoji="1" sz="1800" kern="1200">
+              <a:solidFill>
+                <a:schemeClr val="tx1"/>
+              </a:solidFill>
+              <a:latin typeface="+mn-lt"/>
+              <a:ea typeface="+mn-ea"/>
+              <a:cs typeface="+mn-cs"/>
+            </a:defRPr>
+          </a:lvl3pPr>
+          <a:lvl4pPr marL="1371600" algn="l" defTabSz="914400" rtl="0" eaLnBrk="1" latinLnBrk="0" hangingPunct="1">
+            <a:defRPr kumimoji="1" sz="1800" kern="1200">
+              <a:solidFill>
+                <a:schemeClr val="tx1"/>
+              </a:solidFill>
+              <a:latin typeface="+mn-lt"/>
+              <a:ea typeface="+mn-ea"/>
+              <a:cs typeface="+mn-cs"/>
+            </a:defRPr>
+          </a:lvl4pPr>
+          <a:lvl5pPr marL="1828800" algn="l" defTabSz="914400" rtl="0" eaLnBrk="1" latinLnBrk="0" hangingPunct="1">
+            <a:defRPr kumimoji="1" sz="1800" kern="1200">
+              <a:solidFill>
+                <a:schemeClr val="tx1"/>
+              </a:solidFill>
+              <a:latin typeface="+mn-lt"/>
+              <a:ea typeface="+mn-ea"/>
+              <a:cs typeface="+mn-cs"/>
+            </a:defRPr>
+          </a:lvl5pPr>
+          <a:lvl6pPr marL="2286000" algn="l" defTabSz="914400" rtl="0" eaLnBrk="1" latinLnBrk="0" hangingPunct="1">
+            <a:defRPr kumimoji="1" sz="1800" kern="1200">
+              <a:solidFill>
+                <a:schemeClr val="tx1"/>
+              </a:solidFill>
+              <a:latin typeface="+mn-lt"/>
+              <a:ea typeface="+mn-ea"/>
+              <a:cs typeface="+mn-cs"/>
+            </a:defRPr>
+          </a:lvl6pPr>
+          <a:lvl7pPr marL="2743200" algn="l" defTabSz="914400" rtl="0" eaLnBrk="1" latinLnBrk="0" hangingPunct="1">
+            <a:defRPr kumimoji="1" sz="1800" kern="1200">
+              <a:solidFill>
+                <a:schemeClr val="tx1"/>
+              </a:solidFill>
+              <a:latin typeface="+mn-lt"/>
+              <a:ea typeface="+mn-ea"/>
+              <a:cs typeface="+mn-cs"/>
+            </a:defRPr>
+          </a:lvl7pPr>
+          <a:lvl8pPr marL="3200400" algn="l" defTabSz="914400" rtl="0" eaLnBrk="1" latinLnBrk="0" hangingPunct="1">
+            <a:defRPr kumimoji="1" sz="1800" kern="1200">
+              <a:solidFill>
+                <a:schemeClr val="tx1"/>
+              </a:solidFill>
+              <a:latin typeface="+mn-lt"/>
+              <a:ea typeface="+mn-ea"/>
+              <a:cs typeface="+mn-cs"/>
+            </a:defRPr>
+          </a:lvl8pPr>
+          <a:lvl9pPr marL="3657600" algn="l" defTabSz="914400" rtl="0" eaLnBrk="1" latinLnBrk="0" hangingPunct="1">
+            <a:defRPr kumimoji="1" sz="1800" kern="1200">
+              <a:solidFill>
+                <a:schemeClr val="tx1"/>
+              </a:solidFill>
+              <a:latin typeface="+mn-lt"/>
+              <a:ea typeface="+mn-ea"/>
+              <a:cs typeface="+mn-cs"/>
+            </a:defRPr>
+          </a:lvl9pPr>
+        </a:lstStyle>
+        <a:p xmlns:a="http://schemas.openxmlformats.org/drawingml/2006/main">
+          <a:endParaRPr kumimoji="1" lang="ja-JP" altLang="en-US" dirty="0"/>
+        </a:p>
+      </cdr:txBody>
+    </cdr:sp>
+  </cdr:relSizeAnchor>
+  <cdr:relSizeAnchor xmlns:cdr="http://schemas.openxmlformats.org/drawingml/2006/chartDrawing">
+    <cdr:from>
+      <cdr:x>0.94892</cdr:x>
+      <cdr:y>0.017</cdr:y>
+    </cdr:from>
+    <cdr:to>
+      <cdr:x>0.98828</cdr:x>
+      <cdr:y>0.06319</cdr:y>
+    </cdr:to>
+    <cdr:sp macro="" textlink="">
+      <cdr:nvSpPr>
+        <cdr:cNvPr id="3" name="テキスト ボックス 5">
+          <a:extLst xmlns:a="http://schemas.openxmlformats.org/drawingml/2006/main">
+            <a:ext uri="{FF2B5EF4-FFF2-40B4-BE49-F238E27FC236}">
+              <a16:creationId xmlns:a16="http://schemas.microsoft.com/office/drawing/2014/main" id="{0ED32F29-3948-4A7D-85C9-F87F6FD06020}"/>
+            </a:ext>
+          </a:extLst>
+        </cdr:cNvPr>
+        <cdr:cNvSpPr txBox="1"/>
+      </cdr:nvSpPr>
+      <cdr:spPr>
+        <a:xfrm xmlns:a="http://schemas.openxmlformats.org/drawingml/2006/main">
+          <a:off x="11569210" y="116614"/>
+          <a:ext cx="479932" cy="316768"/>
+        </a:xfrm>
+        <a:prstGeom xmlns:a="http://schemas.openxmlformats.org/drawingml/2006/main" prst="rect">
+          <a:avLst/>
+        </a:prstGeom>
+        <a:solidFill xmlns:a="http://schemas.openxmlformats.org/drawingml/2006/main">
+          <a:schemeClr val="bg1"/>
+        </a:solidFill>
+      </cdr:spPr>
+      <cdr:txBody>
+        <a:bodyPr xmlns:a="http://schemas.openxmlformats.org/drawingml/2006/main" wrap="square" rtlCol="0">
+          <a:spAutoFit/>
+        </a:bodyPr>
+        <a:lstStyle xmlns:a="http://schemas.openxmlformats.org/drawingml/2006/main">
+          <a:defPPr>
+            <a:defRPr lang="ja-JP"/>
+          </a:defPPr>
+          <a:lvl1pPr marL="0" algn="l" defTabSz="914400" rtl="0" eaLnBrk="1" latinLnBrk="0" hangingPunct="1">
+            <a:defRPr kumimoji="1" sz="1800" kern="1200">
+              <a:solidFill>
+                <a:schemeClr val="tx1"/>
+              </a:solidFill>
+              <a:latin typeface="+mn-lt"/>
+              <a:ea typeface="+mn-ea"/>
+              <a:cs typeface="+mn-cs"/>
+            </a:defRPr>
+          </a:lvl1pPr>
+          <a:lvl2pPr marL="457200" algn="l" defTabSz="914400" rtl="0" eaLnBrk="1" latinLnBrk="0" hangingPunct="1">
+            <a:defRPr kumimoji="1" sz="1800" kern="1200">
+              <a:solidFill>
+                <a:schemeClr val="tx1"/>
+              </a:solidFill>
+              <a:latin typeface="+mn-lt"/>
+              <a:ea typeface="+mn-ea"/>
+              <a:cs typeface="+mn-cs"/>
+            </a:defRPr>
+          </a:lvl2pPr>
+          <a:lvl3pPr marL="914400" algn="l" defTabSz="914400" rtl="0" eaLnBrk="1" latinLnBrk="0" hangingPunct="1">
+            <a:defRPr kumimoji="1" sz="1800" kern="1200">
+              <a:solidFill>
+                <a:schemeClr val="tx1"/>
+              </a:solidFill>
+              <a:latin typeface="+mn-lt"/>
+              <a:ea typeface="+mn-ea"/>
+              <a:cs typeface="+mn-cs"/>
+            </a:defRPr>
+          </a:lvl3pPr>
+          <a:lvl4pPr marL="1371600" algn="l" defTabSz="914400" rtl="0" eaLnBrk="1" latinLnBrk="0" hangingPunct="1">
+            <a:defRPr kumimoji="1" sz="1800" kern="1200">
+              <a:solidFill>
+                <a:schemeClr val="tx1"/>
+              </a:solidFill>
+              <a:latin typeface="+mn-lt"/>
+              <a:ea typeface="+mn-ea"/>
+              <a:cs typeface="+mn-cs"/>
+            </a:defRPr>
+          </a:lvl4pPr>
+          <a:lvl5pPr marL="1828800" algn="l" defTabSz="914400" rtl="0" eaLnBrk="1" latinLnBrk="0" hangingPunct="1">
+            <a:defRPr kumimoji="1" sz="1800" kern="1200">
+              <a:solidFill>
+                <a:schemeClr val="tx1"/>
+              </a:solidFill>
+              <a:latin typeface="+mn-lt"/>
+              <a:ea typeface="+mn-ea"/>
+              <a:cs typeface="+mn-cs"/>
+            </a:defRPr>
+          </a:lvl5pPr>
+          <a:lvl6pPr marL="2286000" algn="l" defTabSz="914400" rtl="0" eaLnBrk="1" latinLnBrk="0" hangingPunct="1">
+            <a:defRPr kumimoji="1" sz="1800" kern="1200">
+              <a:solidFill>
+                <a:schemeClr val="tx1"/>
+              </a:solidFill>
+              <a:latin typeface="+mn-lt"/>
+              <a:ea typeface="+mn-ea"/>
+              <a:cs typeface="+mn-cs"/>
+            </a:defRPr>
+          </a:lvl6pPr>
+          <a:lvl7pPr marL="2743200" algn="l" defTabSz="914400" rtl="0" eaLnBrk="1" latinLnBrk="0" hangingPunct="1">
+            <a:defRPr kumimoji="1" sz="1800" kern="1200">
+              <a:solidFill>
+                <a:schemeClr val="tx1"/>
+              </a:solidFill>
+              <a:latin typeface="+mn-lt"/>
+              <a:ea typeface="+mn-ea"/>
+              <a:cs typeface="+mn-cs"/>
+            </a:defRPr>
+          </a:lvl7pPr>
+          <a:lvl8pPr marL="3200400" algn="l" defTabSz="914400" rtl="0" eaLnBrk="1" latinLnBrk="0" hangingPunct="1">
+            <a:defRPr kumimoji="1" sz="1800" kern="1200">
+              <a:solidFill>
+                <a:schemeClr val="tx1"/>
+              </a:solidFill>
+              <a:latin typeface="+mn-lt"/>
+              <a:ea typeface="+mn-ea"/>
+              <a:cs typeface="+mn-cs"/>
+            </a:defRPr>
+          </a:lvl8pPr>
+          <a:lvl9pPr marL="3657600" algn="l" defTabSz="914400" rtl="0" eaLnBrk="1" latinLnBrk="0" hangingPunct="1">
+            <a:defRPr kumimoji="1" sz="1800" kern="1200">
+              <a:solidFill>
+                <a:schemeClr val="tx1"/>
+              </a:solidFill>
+              <a:latin typeface="+mn-lt"/>
+              <a:ea typeface="+mn-ea"/>
+              <a:cs typeface="+mn-cs"/>
+            </a:defRPr>
+          </a:lvl9pPr>
+        </a:lstStyle>
+        <a:p xmlns:a="http://schemas.openxmlformats.org/drawingml/2006/main">
+          <a:endParaRPr kumimoji="1" lang="ja-JP" altLang="en-US" dirty="0"/>
+        </a:p>
+      </cdr:txBody>
+    </cdr:sp>
+  </cdr:relSizeAnchor>
+  <cdr:relSizeAnchor xmlns:cdr="http://schemas.openxmlformats.org/drawingml/2006/chartDrawing">
+    <cdr:from>
+      <cdr:x>0.88208</cdr:x>
+      <cdr:y>0.01664</cdr:y>
+    </cdr:from>
+    <cdr:to>
+      <cdr:x>0.92628</cdr:x>
+      <cdr:y>0.0705</cdr:y>
+    </cdr:to>
+    <cdr:sp macro="" textlink="">
+      <cdr:nvSpPr>
+        <cdr:cNvPr id="6" name="テキスト ボックス 14">
+          <a:extLst xmlns:a="http://schemas.openxmlformats.org/drawingml/2006/main">
+            <a:ext uri="{FF2B5EF4-FFF2-40B4-BE49-F238E27FC236}">
+              <a16:creationId xmlns:a16="http://schemas.microsoft.com/office/drawing/2014/main" id="{6089F680-5968-46D9-8E5C-B5B7E8197FF0}"/>
+            </a:ext>
+          </a:extLst>
+        </cdr:cNvPr>
+        <cdr:cNvSpPr txBox="1"/>
+      </cdr:nvSpPr>
+      <cdr:spPr>
+        <a:xfrm xmlns:a="http://schemas.openxmlformats.org/drawingml/2006/main">
+          <a:off x="10754333" y="114149"/>
+          <a:ext cx="538930" cy="369332"/>
+        </a:xfrm>
+        <a:prstGeom xmlns:a="http://schemas.openxmlformats.org/drawingml/2006/main" prst="rect">
+          <a:avLst/>
+        </a:prstGeom>
+        <a:noFill xmlns:a="http://schemas.openxmlformats.org/drawingml/2006/main"/>
+      </cdr:spPr>
+      <cdr:txBody>
+        <a:bodyPr xmlns:a="http://schemas.openxmlformats.org/drawingml/2006/main" wrap="none" rtlCol="0">
+          <a:spAutoFit/>
+        </a:bodyPr>
+        <a:lstStyle xmlns:a="http://schemas.openxmlformats.org/drawingml/2006/main">
+          <a:defPPr>
+            <a:defRPr lang="ja-JP"/>
+          </a:defPPr>
+          <a:lvl1pPr marL="0" algn="l" defTabSz="914400" rtl="0" eaLnBrk="1" latinLnBrk="0" hangingPunct="1">
+            <a:defRPr kumimoji="1" sz="1800" kern="1200">
+              <a:solidFill>
+                <a:schemeClr val="tx1"/>
+              </a:solidFill>
+              <a:latin typeface="+mn-lt"/>
+              <a:ea typeface="+mn-ea"/>
+              <a:cs typeface="+mn-cs"/>
+            </a:defRPr>
+          </a:lvl1pPr>
+          <a:lvl2pPr marL="457200" algn="l" defTabSz="914400" rtl="0" eaLnBrk="1" latinLnBrk="0" hangingPunct="1">
+            <a:defRPr kumimoji="1" sz="1800" kern="1200">
+              <a:solidFill>
+                <a:schemeClr val="tx1"/>
+              </a:solidFill>
+              <a:latin typeface="+mn-lt"/>
+              <a:ea typeface="+mn-ea"/>
+              <a:cs typeface="+mn-cs"/>
+            </a:defRPr>
+          </a:lvl2pPr>
+          <a:lvl3pPr marL="914400" algn="l" defTabSz="914400" rtl="0" eaLnBrk="1" latinLnBrk="0" hangingPunct="1">
+            <a:defRPr kumimoji="1" sz="1800" kern="1200">
+              <a:solidFill>
+                <a:schemeClr val="tx1"/>
+              </a:solidFill>
+              <a:latin typeface="+mn-lt"/>
+              <a:ea typeface="+mn-ea"/>
+              <a:cs typeface="+mn-cs"/>
+            </a:defRPr>
+          </a:lvl3pPr>
+          <a:lvl4pPr marL="1371600" algn="l" defTabSz="914400" rtl="0" eaLnBrk="1" latinLnBrk="0" hangingPunct="1">
+            <a:defRPr kumimoji="1" sz="1800" kern="1200">
+              <a:solidFill>
+                <a:schemeClr val="tx1"/>
+              </a:solidFill>
+              <a:latin typeface="+mn-lt"/>
+              <a:ea typeface="+mn-ea"/>
+              <a:cs typeface="+mn-cs"/>
+            </a:defRPr>
+          </a:lvl4pPr>
+          <a:lvl5pPr marL="1828800" algn="l" defTabSz="914400" rtl="0" eaLnBrk="1" latinLnBrk="0" hangingPunct="1">
+            <a:defRPr kumimoji="1" sz="1800" kern="1200">
+              <a:solidFill>
+                <a:schemeClr val="tx1"/>
+              </a:solidFill>
+              <a:latin typeface="+mn-lt"/>
+              <a:ea typeface="+mn-ea"/>
+              <a:cs typeface="+mn-cs"/>
+            </a:defRPr>
+          </a:lvl5pPr>
+          <a:lvl6pPr marL="2286000" algn="l" defTabSz="914400" rtl="0" eaLnBrk="1" latinLnBrk="0" hangingPunct="1">
+            <a:defRPr kumimoji="1" sz="1800" kern="1200">
+              <a:solidFill>
+                <a:schemeClr val="tx1"/>
+              </a:solidFill>
+              <a:latin typeface="+mn-lt"/>
+              <a:ea typeface="+mn-ea"/>
+              <a:cs typeface="+mn-cs"/>
+            </a:defRPr>
+          </a:lvl6pPr>
+          <a:lvl7pPr marL="2743200" algn="l" defTabSz="914400" rtl="0" eaLnBrk="1" latinLnBrk="0" hangingPunct="1">
+            <a:defRPr kumimoji="1" sz="1800" kern="1200">
+              <a:solidFill>
+                <a:schemeClr val="tx1"/>
+              </a:solidFill>
+              <a:latin typeface="+mn-lt"/>
+              <a:ea typeface="+mn-ea"/>
+              <a:cs typeface="+mn-cs"/>
+            </a:defRPr>
+          </a:lvl7pPr>
+          <a:lvl8pPr marL="3200400" algn="l" defTabSz="914400" rtl="0" eaLnBrk="1" latinLnBrk="0" hangingPunct="1">
+            <a:defRPr kumimoji="1" sz="1800" kern="1200">
+              <a:solidFill>
+                <a:schemeClr val="tx1"/>
+              </a:solidFill>
+              <a:latin typeface="+mn-lt"/>
+              <a:ea typeface="+mn-ea"/>
+              <a:cs typeface="+mn-cs"/>
+            </a:defRPr>
+          </a:lvl8pPr>
+          <a:lvl9pPr marL="3657600" algn="l" defTabSz="914400" rtl="0" eaLnBrk="1" latinLnBrk="0" hangingPunct="1">
+            <a:defRPr kumimoji="1" sz="1800" kern="1200">
+              <a:solidFill>
+                <a:schemeClr val="tx1"/>
+              </a:solidFill>
+              <a:latin typeface="+mn-lt"/>
+              <a:ea typeface="+mn-ea"/>
+              <a:cs typeface="+mn-cs"/>
+            </a:defRPr>
+          </a:lvl9pPr>
+        </a:lstStyle>
+        <a:p xmlns:a="http://schemas.openxmlformats.org/drawingml/2006/main">
+          <a:r>
+            <a:rPr lang="en-US" altLang="ja-JP" dirty="0"/>
+            <a:t>Sat</a:t>
+          </a:r>
+          <a:endParaRPr lang="ja-JP" altLang="en-US" dirty="0"/>
+        </a:p>
+      </cdr:txBody>
+    </cdr:sp>
+  </cdr:relSizeAnchor>
+</c:userShapes>
+</file>
+
 <file path=ppt/slideLayouts/slideLayout1.xml><?xml version="1.0" encoding="utf-8"?>
 <p:sldLayout xmlns:a="http://schemas.openxmlformats.org/drawingml/2006/main" xmlns:r="http://schemas.openxmlformats.org/officeDocument/2006/relationships" xmlns:p="http://schemas.openxmlformats.org/presentationml/2006/main" type="title" preserve="1">
   <p:cSld name="タイトル スライド">
@@ -2426,7 +2845,7 @@
           <a:p>
             <a:fld id="{64B2123B-5858-40B5-97BF-E99DAD326F49}" type="datetimeFigureOut">
               <a:rPr kumimoji="1" lang="ja-JP" altLang="en-US" smtClean="0"/>
-              <a:t>2020/4/17</a:t>
+              <a:t>2020/4/21</a:t>
             </a:fld>
             <a:endParaRPr kumimoji="1" lang="ja-JP" altLang="en-US"/>
           </a:p>
@@ -2656,7 +3075,7 @@
           <a:p>
             <a:fld id="{64B2123B-5858-40B5-97BF-E99DAD326F49}" type="datetimeFigureOut">
               <a:rPr kumimoji="1" lang="ja-JP" altLang="en-US" smtClean="0"/>
-              <a:t>2020/4/17</a:t>
+              <a:t>2020/4/21</a:t>
             </a:fld>
             <a:endParaRPr kumimoji="1" lang="ja-JP" altLang="en-US"/>
           </a:p>
@@ -2896,7 +3315,7 @@
           <a:p>
             <a:fld id="{64B2123B-5858-40B5-97BF-E99DAD326F49}" type="datetimeFigureOut">
               <a:rPr kumimoji="1" lang="ja-JP" altLang="en-US" smtClean="0"/>
-              <a:t>2020/4/17</a:t>
+              <a:t>2020/4/21</a:t>
             </a:fld>
             <a:endParaRPr kumimoji="1" lang="ja-JP" altLang="en-US"/>
           </a:p>
@@ -3126,7 +3545,7 @@
           <a:p>
             <a:fld id="{64B2123B-5858-40B5-97BF-E99DAD326F49}" type="datetimeFigureOut">
               <a:rPr kumimoji="1" lang="ja-JP" altLang="en-US" smtClean="0"/>
-              <a:t>2020/4/17</a:t>
+              <a:t>2020/4/21</a:t>
             </a:fld>
             <a:endParaRPr kumimoji="1" lang="ja-JP" altLang="en-US"/>
           </a:p>
@@ -3401,7 +3820,7 @@
           <a:p>
             <a:fld id="{64B2123B-5858-40B5-97BF-E99DAD326F49}" type="datetimeFigureOut">
               <a:rPr kumimoji="1" lang="ja-JP" altLang="en-US" smtClean="0"/>
-              <a:t>2020/4/17</a:t>
+              <a:t>2020/4/21</a:t>
             </a:fld>
             <a:endParaRPr kumimoji="1" lang="ja-JP" altLang="en-US"/>
           </a:p>
@@ -3730,7 +4149,7 @@
           <a:p>
             <a:fld id="{64B2123B-5858-40B5-97BF-E99DAD326F49}" type="datetimeFigureOut">
               <a:rPr kumimoji="1" lang="ja-JP" altLang="en-US" smtClean="0"/>
-              <a:t>2020/4/17</a:t>
+              <a:t>2020/4/21</a:t>
             </a:fld>
             <a:endParaRPr kumimoji="1" lang="ja-JP" altLang="en-US"/>
           </a:p>
@@ -4206,7 +4625,7 @@
           <a:p>
             <a:fld id="{64B2123B-5858-40B5-97BF-E99DAD326F49}" type="datetimeFigureOut">
               <a:rPr kumimoji="1" lang="ja-JP" altLang="en-US" smtClean="0"/>
-              <a:t>2020/4/17</a:t>
+              <a:t>2020/4/21</a:t>
             </a:fld>
             <a:endParaRPr kumimoji="1" lang="ja-JP" altLang="en-US"/>
           </a:p>
@@ -4347,7 +4766,7 @@
           <a:p>
             <a:fld id="{64B2123B-5858-40B5-97BF-E99DAD326F49}" type="datetimeFigureOut">
               <a:rPr kumimoji="1" lang="ja-JP" altLang="en-US" smtClean="0"/>
-              <a:t>2020/4/17</a:t>
+              <a:t>2020/4/21</a:t>
             </a:fld>
             <a:endParaRPr kumimoji="1" lang="ja-JP" altLang="en-US"/>
           </a:p>
@@ -4460,7 +4879,7 @@
           <a:p>
             <a:fld id="{64B2123B-5858-40B5-97BF-E99DAD326F49}" type="datetimeFigureOut">
               <a:rPr kumimoji="1" lang="ja-JP" altLang="en-US" smtClean="0"/>
-              <a:t>2020/4/17</a:t>
+              <a:t>2020/4/21</a:t>
             </a:fld>
             <a:endParaRPr kumimoji="1" lang="ja-JP" altLang="en-US"/>
           </a:p>
@@ -4803,7 +5222,7 @@
           <a:p>
             <a:fld id="{64B2123B-5858-40B5-97BF-E99DAD326F49}" type="datetimeFigureOut">
               <a:rPr kumimoji="1" lang="ja-JP" altLang="en-US" smtClean="0"/>
-              <a:t>2020/4/17</a:t>
+              <a:t>2020/4/21</a:t>
             </a:fld>
             <a:endParaRPr kumimoji="1" lang="ja-JP" altLang="en-US"/>
           </a:p>
@@ -5091,7 +5510,7 @@
           <a:p>
             <a:fld id="{64B2123B-5858-40B5-97BF-E99DAD326F49}" type="datetimeFigureOut">
               <a:rPr kumimoji="1" lang="ja-JP" altLang="en-US" smtClean="0"/>
-              <a:t>2020/4/17</a:t>
+              <a:t>2020/4/21</a:t>
             </a:fld>
             <a:endParaRPr kumimoji="1" lang="ja-JP" altLang="en-US"/>
           </a:p>
@@ -5364,7 +5783,7 @@
           <a:p>
             <a:fld id="{64B2123B-5858-40B5-97BF-E99DAD326F49}" type="datetimeFigureOut">
               <a:rPr kumimoji="1" lang="ja-JP" altLang="en-US" smtClean="0"/>
-              <a:t>2020/4/17</a:t>
+              <a:t>2020/4/21</a:t>
             </a:fld>
             <a:endParaRPr kumimoji="1" lang="ja-JP" altLang="en-US"/>
           </a:p>
@@ -5796,7 +6215,7 @@
           <p:nvPr>
             <p:extLst>
               <p:ext uri="{D42A27DB-BD31-4B8C-83A1-F6EECF244321}">
-                <p14:modId xmlns:p14="http://schemas.microsoft.com/office/powerpoint/2010/main" val="3985812229"/>
+                <p14:modId xmlns:p14="http://schemas.microsoft.com/office/powerpoint/2010/main" val="4187886374"/>
               </p:ext>
             </p:extLst>
           </p:nvPr>
@@ -5920,6 +6339,392 @@
               <a:t>the amount of traffic</a:t>
             </a:r>
             <a:endParaRPr kumimoji="1" lang="ja-JP" altLang="en-US" dirty="0"/>
+          </a:p>
+        </p:txBody>
+      </p:sp>
+      <p:sp>
+        <p:nvSpPr>
+          <p:cNvPr id="6" name="テキスト ボックス 5">
+            <a:extLst>
+              <a:ext uri="{FF2B5EF4-FFF2-40B4-BE49-F238E27FC236}">
+                <a16:creationId xmlns:a16="http://schemas.microsoft.com/office/drawing/2014/main" id="{0ED32F29-3948-4A7D-85C9-F87F6FD06020}"/>
+              </a:ext>
+            </a:extLst>
+          </p:cNvPr>
+          <p:cNvSpPr txBox="1"/>
+          <p:nvPr/>
+        </p:nvSpPr>
+        <p:spPr>
+          <a:xfrm>
+            <a:off x="6883217" y="90333"/>
+            <a:ext cx="479932" cy="316768"/>
+          </a:xfrm>
+          <a:prstGeom prst="rect">
+            <a:avLst/>
+          </a:prstGeom>
+          <a:solidFill>
+            <a:schemeClr val="bg1"/>
+          </a:solidFill>
+        </p:spPr>
+        <p:txBody>
+          <a:bodyPr wrap="square" rtlCol="0">
+            <a:spAutoFit/>
+          </a:bodyPr>
+          <a:lstStyle/>
+          <a:p>
+            <a:endParaRPr kumimoji="1" lang="ja-JP" altLang="en-US" dirty="0"/>
+          </a:p>
+        </p:txBody>
+      </p:sp>
+      <p:sp>
+        <p:nvSpPr>
+          <p:cNvPr id="9" name="テキスト ボックス 8">
+            <a:extLst>
+              <a:ext uri="{FF2B5EF4-FFF2-40B4-BE49-F238E27FC236}">
+                <a16:creationId xmlns:a16="http://schemas.microsoft.com/office/drawing/2014/main" id="{9734379A-CFB3-4554-9F44-FB11C063634E}"/>
+              </a:ext>
+            </a:extLst>
+          </p:cNvPr>
+          <p:cNvSpPr txBox="1"/>
+          <p:nvPr/>
+        </p:nvSpPr>
+        <p:spPr>
+          <a:xfrm>
+            <a:off x="7765665" y="166714"/>
+            <a:ext cx="405414" cy="369332"/>
+          </a:xfrm>
+          <a:prstGeom prst="rect">
+            <a:avLst/>
+          </a:prstGeom>
+          <a:solidFill>
+            <a:schemeClr val="bg1"/>
+          </a:solidFill>
+        </p:spPr>
+        <p:txBody>
+          <a:bodyPr wrap="square" rtlCol="0">
+            <a:spAutoFit/>
+          </a:bodyPr>
+          <a:lstStyle/>
+          <a:p>
+            <a:endParaRPr kumimoji="1" lang="ja-JP" altLang="en-US" dirty="0"/>
+          </a:p>
+        </p:txBody>
+      </p:sp>
+      <p:sp>
+        <p:nvSpPr>
+          <p:cNvPr id="10" name="テキスト ボックス 9">
+            <a:extLst>
+              <a:ext uri="{FF2B5EF4-FFF2-40B4-BE49-F238E27FC236}">
+                <a16:creationId xmlns:a16="http://schemas.microsoft.com/office/drawing/2014/main" id="{3624F304-6137-4BD1-8721-4540600E1108}"/>
+              </a:ext>
+            </a:extLst>
+          </p:cNvPr>
+          <p:cNvSpPr txBox="1"/>
+          <p:nvPr/>
+        </p:nvSpPr>
+        <p:spPr>
+          <a:xfrm>
+            <a:off x="8491459" y="66516"/>
+            <a:ext cx="471513" cy="416965"/>
+          </a:xfrm>
+          <a:prstGeom prst="rect">
+            <a:avLst/>
+          </a:prstGeom>
+          <a:solidFill>
+            <a:schemeClr val="bg1"/>
+          </a:solidFill>
+        </p:spPr>
+        <p:txBody>
+          <a:bodyPr wrap="square" rtlCol="0">
+            <a:spAutoFit/>
+          </a:bodyPr>
+          <a:lstStyle/>
+          <a:p>
+            <a:endParaRPr kumimoji="1" lang="ja-JP" altLang="en-US" dirty="0"/>
+          </a:p>
+        </p:txBody>
+      </p:sp>
+      <p:sp>
+        <p:nvSpPr>
+          <p:cNvPr id="11" name="テキスト ボックス 10">
+            <a:extLst>
+              <a:ext uri="{FF2B5EF4-FFF2-40B4-BE49-F238E27FC236}">
+                <a16:creationId xmlns:a16="http://schemas.microsoft.com/office/drawing/2014/main" id="{4CC678B7-B23A-4679-8096-D4150E9B3372}"/>
+              </a:ext>
+            </a:extLst>
+          </p:cNvPr>
+          <p:cNvSpPr txBox="1"/>
+          <p:nvPr/>
+        </p:nvSpPr>
+        <p:spPr>
+          <a:xfrm>
+            <a:off x="9380178" y="166714"/>
+            <a:ext cx="479932" cy="316768"/>
+          </a:xfrm>
+          <a:prstGeom prst="rect">
+            <a:avLst/>
+          </a:prstGeom>
+          <a:solidFill>
+            <a:schemeClr val="bg1"/>
+          </a:solidFill>
+        </p:spPr>
+        <p:txBody>
+          <a:bodyPr wrap="square" rtlCol="0">
+            <a:spAutoFit/>
+          </a:bodyPr>
+          <a:lstStyle/>
+          <a:p>
+            <a:endParaRPr kumimoji="1" lang="ja-JP" altLang="en-US" dirty="0"/>
+          </a:p>
+        </p:txBody>
+      </p:sp>
+      <p:sp>
+        <p:nvSpPr>
+          <p:cNvPr id="12" name="テキスト ボックス 11">
+            <a:extLst>
+              <a:ext uri="{FF2B5EF4-FFF2-40B4-BE49-F238E27FC236}">
+                <a16:creationId xmlns:a16="http://schemas.microsoft.com/office/drawing/2014/main" id="{24BFE149-18CA-47D0-BD56-C04FC79A000E}"/>
+              </a:ext>
+            </a:extLst>
+          </p:cNvPr>
+          <p:cNvSpPr txBox="1"/>
+          <p:nvPr/>
+        </p:nvSpPr>
+        <p:spPr>
+          <a:xfrm>
+            <a:off x="10180490" y="114150"/>
+            <a:ext cx="322480" cy="269135"/>
+          </a:xfrm>
+          <a:prstGeom prst="rect">
+            <a:avLst/>
+          </a:prstGeom>
+          <a:solidFill>
+            <a:schemeClr val="bg1"/>
+          </a:solidFill>
+        </p:spPr>
+        <p:txBody>
+          <a:bodyPr wrap="square" rtlCol="0">
+            <a:spAutoFit/>
+          </a:bodyPr>
+          <a:lstStyle/>
+          <a:p>
+            <a:endParaRPr kumimoji="1" lang="ja-JP" altLang="en-US" dirty="0"/>
+          </a:p>
+        </p:txBody>
+      </p:sp>
+      <p:sp>
+        <p:nvSpPr>
+          <p:cNvPr id="15" name="テキスト ボックス 14">
+            <a:extLst>
+              <a:ext uri="{FF2B5EF4-FFF2-40B4-BE49-F238E27FC236}">
+                <a16:creationId xmlns:a16="http://schemas.microsoft.com/office/drawing/2014/main" id="{6089F680-5968-46D9-8E5C-B5B7E8197FF0}"/>
+              </a:ext>
+            </a:extLst>
+          </p:cNvPr>
+          <p:cNvSpPr txBox="1"/>
+          <p:nvPr/>
+        </p:nvSpPr>
+        <p:spPr>
+          <a:xfrm>
+            <a:off x="10102127" y="114149"/>
+            <a:ext cx="470000" cy="369332"/>
+          </a:xfrm>
+          <a:prstGeom prst="rect">
+            <a:avLst/>
+          </a:prstGeom>
+          <a:noFill/>
+        </p:spPr>
+        <p:txBody>
+          <a:bodyPr wrap="none" rtlCol="0">
+            <a:spAutoFit/>
+          </a:bodyPr>
+          <a:lstStyle/>
+          <a:p>
+            <a:r>
+              <a:rPr lang="en-US" altLang="ja-JP" dirty="0"/>
+              <a:t>Fri</a:t>
+            </a:r>
+            <a:endParaRPr lang="ja-JP" altLang="en-US" dirty="0"/>
+          </a:p>
+        </p:txBody>
+      </p:sp>
+      <p:sp>
+        <p:nvSpPr>
+          <p:cNvPr id="16" name="テキスト ボックス 15">
+            <a:extLst>
+              <a:ext uri="{FF2B5EF4-FFF2-40B4-BE49-F238E27FC236}">
+                <a16:creationId xmlns:a16="http://schemas.microsoft.com/office/drawing/2014/main" id="{FCA8A107-66C5-4C55-8F90-F00820D4E7BF}"/>
+              </a:ext>
+            </a:extLst>
+          </p:cNvPr>
+          <p:cNvSpPr txBox="1"/>
+          <p:nvPr/>
+        </p:nvSpPr>
+        <p:spPr>
+          <a:xfrm>
+            <a:off x="7671346" y="114150"/>
+            <a:ext cx="593432" cy="369332"/>
+          </a:xfrm>
+          <a:prstGeom prst="rect">
+            <a:avLst/>
+          </a:prstGeom>
+          <a:noFill/>
+        </p:spPr>
+        <p:txBody>
+          <a:bodyPr wrap="none" rtlCol="0">
+            <a:spAutoFit/>
+          </a:bodyPr>
+          <a:lstStyle/>
+          <a:p>
+            <a:r>
+              <a:rPr lang="en-US" altLang="ja-JP" dirty="0"/>
+              <a:t>Tue</a:t>
+            </a:r>
+            <a:endParaRPr lang="ja-JP" altLang="en-US" dirty="0"/>
+          </a:p>
+        </p:txBody>
+      </p:sp>
+      <p:sp>
+        <p:nvSpPr>
+          <p:cNvPr id="17" name="テキスト ボックス 16">
+            <a:extLst>
+              <a:ext uri="{FF2B5EF4-FFF2-40B4-BE49-F238E27FC236}">
+                <a16:creationId xmlns:a16="http://schemas.microsoft.com/office/drawing/2014/main" id="{0B4F4926-214F-4708-9B5C-69E61A7F30B3}"/>
+              </a:ext>
+            </a:extLst>
+          </p:cNvPr>
+          <p:cNvSpPr txBox="1"/>
+          <p:nvPr/>
+        </p:nvSpPr>
+        <p:spPr>
+          <a:xfrm>
+            <a:off x="8434002" y="114149"/>
+            <a:ext cx="660758" cy="369332"/>
+          </a:xfrm>
+          <a:prstGeom prst="rect">
+            <a:avLst/>
+          </a:prstGeom>
+          <a:noFill/>
+        </p:spPr>
+        <p:txBody>
+          <a:bodyPr wrap="none" rtlCol="0">
+            <a:spAutoFit/>
+          </a:bodyPr>
+          <a:lstStyle/>
+          <a:p>
+            <a:r>
+              <a:rPr lang="en-US" altLang="ja-JP" dirty="0"/>
+              <a:t>Wed</a:t>
+            </a:r>
+            <a:endParaRPr lang="ja-JP" altLang="en-US" dirty="0"/>
+          </a:p>
+        </p:txBody>
+      </p:sp>
+      <p:sp>
+        <p:nvSpPr>
+          <p:cNvPr id="18" name="テキスト ボックス 17">
+            <a:extLst>
+              <a:ext uri="{FF2B5EF4-FFF2-40B4-BE49-F238E27FC236}">
+                <a16:creationId xmlns:a16="http://schemas.microsoft.com/office/drawing/2014/main" id="{C9AB2D40-1F50-4844-A97C-D58C6750F475}"/>
+              </a:ext>
+            </a:extLst>
+          </p:cNvPr>
+          <p:cNvSpPr txBox="1"/>
+          <p:nvPr/>
+        </p:nvSpPr>
+        <p:spPr>
+          <a:xfrm>
+            <a:off x="9320077" y="114149"/>
+            <a:ext cx="599844" cy="369332"/>
+          </a:xfrm>
+          <a:prstGeom prst="rect">
+            <a:avLst/>
+          </a:prstGeom>
+          <a:noFill/>
+        </p:spPr>
+        <p:txBody>
+          <a:bodyPr wrap="none" rtlCol="0">
+            <a:spAutoFit/>
+          </a:bodyPr>
+          <a:lstStyle/>
+          <a:p>
+            <a:r>
+              <a:rPr lang="en-US" altLang="ja-JP" dirty="0"/>
+              <a:t>Thu</a:t>
+            </a:r>
+            <a:endParaRPr lang="ja-JP" altLang="en-US" dirty="0"/>
+          </a:p>
+        </p:txBody>
+      </p:sp>
+      <p:sp>
+        <p:nvSpPr>
+          <p:cNvPr id="19" name="テキスト ボックス 18">
+            <a:extLst>
+              <a:ext uri="{FF2B5EF4-FFF2-40B4-BE49-F238E27FC236}">
+                <a16:creationId xmlns:a16="http://schemas.microsoft.com/office/drawing/2014/main" id="{BDF29162-3246-422C-ABE5-D315E3FECC68}"/>
+              </a:ext>
+            </a:extLst>
+          </p:cNvPr>
+          <p:cNvSpPr txBox="1"/>
+          <p:nvPr/>
+        </p:nvSpPr>
+        <p:spPr>
+          <a:xfrm>
+            <a:off x="6826527" y="114150"/>
+            <a:ext cx="660758" cy="369332"/>
+          </a:xfrm>
+          <a:prstGeom prst="rect">
+            <a:avLst/>
+          </a:prstGeom>
+          <a:noFill/>
+        </p:spPr>
+        <p:txBody>
+          <a:bodyPr wrap="none" rtlCol="0">
+            <a:spAutoFit/>
+          </a:bodyPr>
+          <a:lstStyle/>
+          <a:p>
+            <a:r>
+              <a:rPr lang="en-US" altLang="ja-JP" dirty="0"/>
+              <a:t>Mon</a:t>
+            </a:r>
+            <a:endParaRPr lang="ja-JP" altLang="en-US" dirty="0"/>
+          </a:p>
+        </p:txBody>
+      </p:sp>
+      <p:sp>
+        <p:nvSpPr>
+          <p:cNvPr id="20" name="テキスト ボックス 19">
+            <a:extLst>
+              <a:ext uri="{FF2B5EF4-FFF2-40B4-BE49-F238E27FC236}">
+                <a16:creationId xmlns:a16="http://schemas.microsoft.com/office/drawing/2014/main" id="{5791BA9F-5270-4FF2-A32D-4A6EE3C893F4}"/>
+              </a:ext>
+            </a:extLst>
+          </p:cNvPr>
+          <p:cNvSpPr txBox="1"/>
+          <p:nvPr/>
+        </p:nvSpPr>
+        <p:spPr>
+          <a:xfrm>
+            <a:off x="11531242" y="114149"/>
+            <a:ext cx="598241" cy="369332"/>
+          </a:xfrm>
+          <a:prstGeom prst="rect">
+            <a:avLst/>
+          </a:prstGeom>
+          <a:noFill/>
+        </p:spPr>
+        <p:txBody>
+          <a:bodyPr wrap="none" rtlCol="0">
+            <a:spAutoFit/>
+          </a:bodyPr>
+          <a:lstStyle/>
+          <a:p>
+            <a:r>
+              <a:rPr lang="en-US" altLang="ja-JP" dirty="0"/>
+              <a:t>Sun</a:t>
+            </a:r>
+            <a:endParaRPr lang="ja-JP" altLang="en-US" dirty="0"/>
           </a:p>
         </p:txBody>
       </p:sp>
